--- a/primestudy/【TK_Edit】Prime_Study_03.pptx
+++ b/primestudy/【TK_Edit】Prime_Study_03.pptx
@@ -235,7 +235,7 @@
           <a:p>
             <a:fld id="{30DB6074-3ABC-45E1-B916-FEC97060DD13}" type="datetimeFigureOut">
               <a:rPr lang="en-US" smtClean="0"/>
-              <a:t>2/13/2026</a:t>
+              <a:t>2/17/2026</a:t>
             </a:fld>
             <a:endParaRPr lang="en-US"/>
           </a:p>
@@ -400,7 +400,7 @@
           <a:p>
             <a:fld id="{CFD09915-3BD3-4C61-BDA5-20689B9856F8}" type="datetimeFigureOut">
               <a:rPr lang="en-US" smtClean="0"/>
-              <a:t>2/13/2026</a:t>
+              <a:t>2/17/2026</a:t>
             </a:fld>
             <a:endParaRPr lang="en-US"/>
           </a:p>
@@ -16891,14 +16891,14 @@
                 <a:latin typeface="Noto Sans JP" panose="020B0200000000000000" pitchFamily="50" charset="-128"/>
                 <a:ea typeface="Noto Sans JP" panose="020B0200000000000000" pitchFamily="50" charset="-128"/>
               </a:rPr>
-              <a:t>2</a:t>
+              <a:t>1</a:t>
             </a:r>
             <a:r>
               <a:rPr kumimoji="1" lang="ja-JP" altLang="en-US" sz="2400" dirty="0">
                 <a:latin typeface="Noto Sans JP" panose="020B0200000000000000" pitchFamily="50" charset="-128"/>
                 <a:ea typeface="Noto Sans JP" panose="020B0200000000000000" pitchFamily="50" charset="-128"/>
               </a:rPr>
-              <a:t>文字目まで</a:t>
+              <a:t>文字目の</a:t>
             </a:r>
             <a:r>
               <a:rPr kumimoji="1" lang="en-US" altLang="ja-JP" sz="2400" dirty="0">
@@ -16912,78 +16912,70 @@
                 <a:latin typeface="Noto Sans JP" panose="020B0200000000000000" pitchFamily="50" charset="-128"/>
                 <a:ea typeface="Noto Sans JP" panose="020B0200000000000000" pitchFamily="50" charset="-128"/>
               </a:rPr>
-              <a:t>が同じです。</a:t>
+              <a:t>は同じです。</a:t>
             </a:r>
             <a:r>
               <a:rPr kumimoji="1" lang="en-US" altLang="ja-JP" sz="2400" dirty="0">
                 <a:latin typeface="Noto Sans JP" panose="020B0200000000000000" pitchFamily="50" charset="-128"/>
                 <a:ea typeface="Noto Sans JP" panose="020B0200000000000000" pitchFamily="50" charset="-128"/>
               </a:rPr>
-              <a:t>'aa'</a:t>
+              <a:t>2</a:t>
             </a:r>
             <a:r>
               <a:rPr kumimoji="1" lang="ja-JP" altLang="en-US" sz="2400" dirty="0">
                 <a:latin typeface="Noto Sans JP" panose="020B0200000000000000" pitchFamily="50" charset="-128"/>
                 <a:ea typeface="Noto Sans JP" panose="020B0200000000000000" pitchFamily="50" charset="-128"/>
               </a:rPr>
-              <a:t>はここで終わりですが、</a:t>
-            </a:r>
-            <a:endParaRPr kumimoji="1" lang="en-US" altLang="ja-JP" sz="2400" dirty="0">
-              <a:latin typeface="Noto Sans JP" panose="020B0200000000000000" pitchFamily="50" charset="-128"/>
-              <a:ea typeface="Noto Sans JP" panose="020B0200000000000000" pitchFamily="50" charset="-128"/>
-            </a:endParaRPr>
-          </a:p>
-          <a:p>
+              <a:t>文字目の</a:t>
+            </a:r>
             <a:r>
               <a:rPr kumimoji="1" lang="en-US" altLang="ja-JP" sz="2400" dirty="0">
                 <a:latin typeface="Noto Sans JP" panose="020B0200000000000000" pitchFamily="50" charset="-128"/>
                 <a:ea typeface="Noto Sans JP" panose="020B0200000000000000" pitchFamily="50" charset="-128"/>
               </a:rPr>
-              <a:t>'</a:t>
-            </a:r>
-            <a:r>
-              <a:rPr kumimoji="1" lang="en-US" altLang="ja-JP" sz="2400" dirty="0" err="1">
+              <a:t>‘a‘</a:t>
+            </a:r>
+            <a:r>
+              <a:rPr kumimoji="1" lang="ja-JP" altLang="en-US" sz="2400" dirty="0">
                 <a:latin typeface="Noto Sans JP" panose="020B0200000000000000" pitchFamily="50" charset="-128"/>
                 <a:ea typeface="Noto Sans JP" panose="020B0200000000000000" pitchFamily="50" charset="-128"/>
               </a:rPr>
-              <a:t>abc</a:t>
+              <a:t>と</a:t>
             </a:r>
             <a:r>
               <a:rPr kumimoji="1" lang="en-US" altLang="ja-JP" sz="2400" dirty="0">
                 <a:latin typeface="Noto Sans JP" panose="020B0200000000000000" pitchFamily="50" charset="-128"/>
                 <a:ea typeface="Noto Sans JP" panose="020B0200000000000000" pitchFamily="50" charset="-128"/>
               </a:rPr>
-              <a:t>'</a:t>
+              <a:t>’b’</a:t>
+            </a:r>
+            <a:r>
+              <a:rPr kumimoji="1" lang="ja-JP" altLang="en-US" sz="2400">
+                <a:latin typeface="Noto Sans JP" panose="020B0200000000000000" pitchFamily="50" charset="-128"/>
+                <a:ea typeface="Noto Sans JP" panose="020B0200000000000000" pitchFamily="50" charset="-128"/>
+              </a:rPr>
+              <a:t>では、</a:t>
+            </a:r>
+            <a:r>
+              <a:rPr kumimoji="1" lang="en-US" altLang="ja-JP" sz="2400">
+                <a:latin typeface="Noto Sans JP" panose="020B0200000000000000" pitchFamily="50" charset="-128"/>
+                <a:ea typeface="Noto Sans JP" panose="020B0200000000000000" pitchFamily="50" charset="-128"/>
+              </a:rPr>
+              <a:t>‘</a:t>
+            </a:r>
+            <a:r>
+              <a:rPr kumimoji="1" lang="en-US" altLang="ja-JP" sz="2400" dirty="0">
+                <a:latin typeface="Noto Sans JP" panose="020B0200000000000000" pitchFamily="50" charset="-128"/>
+                <a:ea typeface="Noto Sans JP" panose="020B0200000000000000" pitchFamily="50" charset="-128"/>
+              </a:rPr>
+              <a:t>a‘</a:t>
             </a:r>
             <a:r>
               <a:rPr kumimoji="1" lang="ja-JP" altLang="en-US" sz="2400" dirty="0">
                 <a:latin typeface="Noto Sans JP" panose="020B0200000000000000" pitchFamily="50" charset="-128"/>
                 <a:ea typeface="Noto Sans JP" panose="020B0200000000000000" pitchFamily="50" charset="-128"/>
               </a:rPr>
-              <a:t>は</a:t>
-            </a:r>
-            <a:r>
-              <a:rPr kumimoji="1" lang="en-US" altLang="ja-JP" sz="2400" dirty="0">
-                <a:latin typeface="Noto Sans JP" panose="020B0200000000000000" pitchFamily="50" charset="-128"/>
-                <a:ea typeface="Noto Sans JP" panose="020B0200000000000000" pitchFamily="50" charset="-128"/>
-              </a:rPr>
-              <a:t>c</a:t>
-            </a:r>
-            <a:r>
-              <a:rPr kumimoji="1" lang="ja-JP" altLang="en-US" sz="2400" dirty="0">
-                <a:latin typeface="Noto Sans JP" panose="020B0200000000000000" pitchFamily="50" charset="-128"/>
-                <a:ea typeface="Noto Sans JP" panose="020B0200000000000000" pitchFamily="50" charset="-128"/>
-              </a:rPr>
-              <a:t>が続きます。</a:t>
-            </a:r>
-          </a:p>
-          <a:p>
-            <a:r>
-              <a:rPr kumimoji="1" lang="ja-JP" altLang="en-US" sz="2400" dirty="0">
-                <a:latin typeface="Noto Sans JP" panose="020B0200000000000000" pitchFamily="50" charset="-128"/>
-                <a:ea typeface="Noto Sans JP" panose="020B0200000000000000" pitchFamily="50" charset="-128"/>
-              </a:rPr>
-              <a:t> 短い方が小さいと見なされるので、</a:t>
+              <a:t>の方が小さいと見なされるので、</a:t>
             </a:r>
             <a:r>
               <a:rPr kumimoji="1" lang="en-US" altLang="ja-JP" sz="2400" dirty="0">
